--- a/FALL2025/DATA608/Story5/DATA608_Story5.pptx
+++ b/FALL2025/DATA608/Story5/DATA608_Story5.pptx
@@ -107,6 +107,11 @@
       </a:defRPr>
     </a:lvl9pPr>
   </p:defaultTextStyle>
+  <p:extLst>
+    <p:ext uri="{EFAFB233-063F-42B5-8137-9DF3F51BA10A}">
+      <p15:sldGuideLst xmlns:p15="http://schemas.microsoft.com/office/powerpoint/2012/main"/>
+    </p:ext>
+  </p:extLst>
 </p:presentation>
 </file>
 
@@ -265,7 +270,7 @@
           <a:p>
             <a:fld id="{863843D3-65E8-459D-B413-0FA1895B9CC9}" type="datetimeFigureOut">
               <a:rPr lang="en-US" smtClean="0"/>
-              <a:t>11/12/2025</a:t>
+              <a:t>11/15/2025</a:t>
             </a:fld>
             <a:endParaRPr lang="en-US"/>
           </a:p>
@@ -463,7 +468,7 @@
           <a:p>
             <a:fld id="{863843D3-65E8-459D-B413-0FA1895B9CC9}" type="datetimeFigureOut">
               <a:rPr lang="en-US" smtClean="0"/>
-              <a:t>11/12/2025</a:t>
+              <a:t>11/15/2025</a:t>
             </a:fld>
             <a:endParaRPr lang="en-US"/>
           </a:p>
@@ -671,7 +676,7 @@
           <a:p>
             <a:fld id="{863843D3-65E8-459D-B413-0FA1895B9CC9}" type="datetimeFigureOut">
               <a:rPr lang="en-US" smtClean="0"/>
-              <a:t>11/12/2025</a:t>
+              <a:t>11/15/2025</a:t>
             </a:fld>
             <a:endParaRPr lang="en-US"/>
           </a:p>
@@ -869,7 +874,7 @@
           <a:p>
             <a:fld id="{863843D3-65E8-459D-B413-0FA1895B9CC9}" type="datetimeFigureOut">
               <a:rPr lang="en-US" smtClean="0"/>
-              <a:t>11/12/2025</a:t>
+              <a:t>11/15/2025</a:t>
             </a:fld>
             <a:endParaRPr lang="en-US"/>
           </a:p>
@@ -1144,7 +1149,7 @@
           <a:p>
             <a:fld id="{863843D3-65E8-459D-B413-0FA1895B9CC9}" type="datetimeFigureOut">
               <a:rPr lang="en-US" smtClean="0"/>
-              <a:t>11/12/2025</a:t>
+              <a:t>11/15/2025</a:t>
             </a:fld>
             <a:endParaRPr lang="en-US"/>
           </a:p>
@@ -1409,7 +1414,7 @@
           <a:p>
             <a:fld id="{863843D3-65E8-459D-B413-0FA1895B9CC9}" type="datetimeFigureOut">
               <a:rPr lang="en-US" smtClean="0"/>
-              <a:t>11/12/2025</a:t>
+              <a:t>11/15/2025</a:t>
             </a:fld>
             <a:endParaRPr lang="en-US"/>
           </a:p>
@@ -1821,7 +1826,7 @@
           <a:p>
             <a:fld id="{863843D3-65E8-459D-B413-0FA1895B9CC9}" type="datetimeFigureOut">
               <a:rPr lang="en-US" smtClean="0"/>
-              <a:t>11/12/2025</a:t>
+              <a:t>11/15/2025</a:t>
             </a:fld>
             <a:endParaRPr lang="en-US"/>
           </a:p>
@@ -1962,7 +1967,7 @@
           <a:p>
             <a:fld id="{863843D3-65E8-459D-B413-0FA1895B9CC9}" type="datetimeFigureOut">
               <a:rPr lang="en-US" smtClean="0"/>
-              <a:t>11/12/2025</a:t>
+              <a:t>11/15/2025</a:t>
             </a:fld>
             <a:endParaRPr lang="en-US"/>
           </a:p>
@@ -2075,7 +2080,7 @@
           <a:p>
             <a:fld id="{863843D3-65E8-459D-B413-0FA1895B9CC9}" type="datetimeFigureOut">
               <a:rPr lang="en-US" smtClean="0"/>
-              <a:t>11/12/2025</a:t>
+              <a:t>11/15/2025</a:t>
             </a:fld>
             <a:endParaRPr lang="en-US"/>
           </a:p>
@@ -2386,7 +2391,7 @@
           <a:p>
             <a:fld id="{863843D3-65E8-459D-B413-0FA1895B9CC9}" type="datetimeFigureOut">
               <a:rPr lang="en-US" smtClean="0"/>
-              <a:t>11/12/2025</a:t>
+              <a:t>11/15/2025</a:t>
             </a:fld>
             <a:endParaRPr lang="en-US"/>
           </a:p>
@@ -2674,7 +2679,7 @@
           <a:p>
             <a:fld id="{863843D3-65E8-459D-B413-0FA1895B9CC9}" type="datetimeFigureOut">
               <a:rPr lang="en-US" smtClean="0"/>
-              <a:t>11/12/2025</a:t>
+              <a:t>11/15/2025</a:t>
             </a:fld>
             <a:endParaRPr lang="en-US"/>
           </a:p>
@@ -2915,7 +2920,7 @@
           <a:p>
             <a:fld id="{863843D3-65E8-459D-B413-0FA1895B9CC9}" type="datetimeFigureOut">
               <a:rPr lang="en-US" smtClean="0"/>
-              <a:t>11/12/2025</a:t>
+              <a:t>11/15/2025</a:t>
             </a:fld>
             <a:endParaRPr lang="en-US"/>
           </a:p>
@@ -3726,10 +3731,10 @@
       </p:pic>
       <p:pic>
         <p:nvPicPr>
-          <p:cNvPr id="5" name="Picture 4">
-            <a:extLst>
-              <a:ext uri="{FF2B5EF4-FFF2-40B4-BE49-F238E27FC236}">
-                <a16:creationId xmlns:a16="http://schemas.microsoft.com/office/drawing/2014/main" id="{FEC4C463-2940-13BE-CB6E-8A795225CB7A}"/>
+          <p:cNvPr id="8" name="Picture 7" descr="A black background with a line&#10;&#10;AI-generated content may be incorrect.">
+            <a:extLst>
+              <a:ext uri="{FF2B5EF4-FFF2-40B4-BE49-F238E27FC236}">
+                <a16:creationId xmlns:a16="http://schemas.microsoft.com/office/drawing/2014/main" id="{25A80E6C-4848-C3D2-7441-6EF4989AF3B0}"/>
               </a:ext>
             </a:extLst>
           </p:cNvPr>
@@ -3752,8 +3757,8 @@
         </p:blipFill>
         <p:spPr>
           <a:xfrm>
-            <a:off x="141720" y="42665"/>
-            <a:ext cx="11908560" cy="6772670"/>
+            <a:off x="144768" y="38093"/>
+            <a:ext cx="11902464" cy="6781814"/>
           </a:xfrm>
           <a:prstGeom prst="rect">
             <a:avLst/>
